--- a/assets/images/ccai_citylearn_systems.pptx
+++ b/assets/images/ccai_citylearn_systems.pptx
@@ -5,16 +5,17 @@
     <p:sldMasterId id="2147483648" r:id="rId1"/>
   </p:sldMasterIdLst>
   <p:notesMasterIdLst>
-    <p:notesMasterId r:id="rId6"/>
+    <p:notesMasterId r:id="rId7"/>
   </p:notesMasterIdLst>
   <p:handoutMasterIdLst>
-    <p:handoutMasterId r:id="rId7"/>
+    <p:handoutMasterId r:id="rId8"/>
   </p:handoutMasterIdLst>
   <p:sldIdLst>
     <p:sldId id="833" r:id="rId2"/>
     <p:sldId id="842" r:id="rId3"/>
     <p:sldId id="846" r:id="rId4"/>
     <p:sldId id="844" r:id="rId5"/>
+    <p:sldId id="847" r:id="rId6"/>
   </p:sldIdLst>
   <p:sldSz cx="12192000" cy="6858000"/>
   <p:notesSz cx="7099300" cy="10234613"/>
@@ -252,7 +253,7 @@
           <a:p>
             <a:fld id="{C375809C-1078-40E5-8D78-A06230988E2D}" type="datetimeFigureOut">
               <a:rPr lang="en-US" smtClean="0"/>
-              <a:t>4/12/23</a:t>
+              <a:t>5/23/23</a:t>
             </a:fld>
             <a:endParaRPr lang="en-US"/>
           </a:p>
@@ -430,7 +431,7 @@
             <a:fld id="{2B843C7C-BC90-49F1-B4F6-A48532280559}" type="datetimeFigureOut">
               <a:rPr lang="de-DE" smtClean="0"/>
               <a:pPr/>
-              <a:t>12.04.23</a:t>
+              <a:t>23.05.23</a:t>
             </a:fld>
             <a:endParaRPr lang="de-DE"/>
           </a:p>
@@ -7225,7 +7226,7 @@
         </p:nvGrpSpPr>
         <p:grpSpPr>
           <a:xfrm>
-            <a:off x="3818304" y="836713"/>
+            <a:off x="1009992" y="332657"/>
             <a:ext cx="3816988" cy="4868698"/>
             <a:chOff x="4760657" y="861974"/>
             <a:chExt cx="3816988" cy="4868698"/>
@@ -8522,7 +8523,7 @@
         </p:blipFill>
         <p:spPr>
           <a:xfrm>
-            <a:off x="3180383" y="1254029"/>
+            <a:off x="372071" y="749973"/>
             <a:ext cx="658611" cy="658611"/>
           </a:xfrm>
           <a:prstGeom prst="rect">
@@ -8548,7 +8549,7 @@
         </p:nvSpPr>
         <p:spPr>
           <a:xfrm>
-            <a:off x="3071664" y="1912640"/>
+            <a:off x="263352" y="1412776"/>
             <a:ext cx="847929" cy="292388"/>
           </a:xfrm>
           <a:prstGeom prst="rect">
@@ -8588,7 +8589,7 @@
         </p:nvCxnSpPr>
         <p:spPr>
           <a:xfrm rot="16200000" flipH="1" flipV="1">
-            <a:off x="4381632" y="-35230"/>
+            <a:off x="1573320" y="-539286"/>
             <a:ext cx="417316" cy="2161201"/>
           </a:xfrm>
           <a:prstGeom prst="bentConnector3">
@@ -8630,7 +8631,7 @@
         </p:nvGrpSpPr>
         <p:grpSpPr>
           <a:xfrm>
-            <a:off x="4151220" y="1123696"/>
+            <a:off x="1342908" y="619640"/>
             <a:ext cx="3816988" cy="4868698"/>
             <a:chOff x="4760657" y="861974"/>
             <a:chExt cx="3816988" cy="4868698"/>
@@ -9653,7 +9654,7 @@
           <p:spPr>
             <a:xfrm>
               <a:off x="6145595" y="3486151"/>
-              <a:ext cx="1296144" cy="430887"/>
+              <a:ext cx="1296144" cy="600164"/>
             </a:xfrm>
             <a:prstGeom prst="rect">
               <a:avLst/>
@@ -9675,7 +9676,26 @@
                     </a:schemeClr>
                   </a:solidFill>
                 </a:rPr>
-                <a:t>Domestic hot water  heating storage</a:t>
+                <a:t>Domestic hot water  and/or space</a:t>
+              </a:r>
+              <a:br>
+                <a:rPr lang="en-US" sz="1100" i="1" dirty="0">
+                  <a:solidFill>
+                    <a:schemeClr val="tx2">
+                      <a:lumMod val="75000"/>
+                    </a:schemeClr>
+                  </a:solidFill>
+                </a:rPr>
+              </a:br>
+              <a:r>
+                <a:rPr lang="en-US" sz="1100" i="1" dirty="0">
+                  <a:solidFill>
+                    <a:schemeClr val="tx2">
+                      <a:lumMod val="75000"/>
+                    </a:schemeClr>
+                  </a:solidFill>
+                </a:rPr>
+                <a:t>heating storage</a:t>
               </a:r>
             </a:p>
           </p:txBody>
@@ -9851,7 +9871,7 @@
           <p:spPr>
             <a:xfrm>
               <a:off x="7337779" y="3484360"/>
-              <a:ext cx="847929" cy="430887"/>
+              <a:ext cx="847929" cy="600164"/>
             </a:xfrm>
             <a:prstGeom prst="rect">
               <a:avLst/>
@@ -9873,7 +9893,26 @@
                     </a:schemeClr>
                   </a:solidFill>
                 </a:rPr>
-                <a:t>Cooling </a:t>
+                <a:t>Space</a:t>
+              </a:r>
+              <a:br>
+                <a:rPr lang="en-US" sz="1100" i="1" dirty="0">
+                  <a:solidFill>
+                    <a:schemeClr val="tx2">
+                      <a:lumMod val="75000"/>
+                    </a:schemeClr>
+                  </a:solidFill>
+                </a:rPr>
+              </a:br>
+              <a:r>
+                <a:rPr lang="en-US" sz="1100" i="1" dirty="0">
+                  <a:solidFill>
+                    <a:schemeClr val="tx2">
+                      <a:lumMod val="75000"/>
+                    </a:schemeClr>
+                  </a:solidFill>
+                </a:rPr>
+                <a:t>cooling </a:t>
               </a:r>
               <a:br>
                 <a:rPr lang="en-US" sz="1100" i="1" dirty="0">
@@ -9916,7 +9955,7 @@
         </p:nvCxnSpPr>
         <p:spPr>
           <a:xfrm rot="16200000" flipH="1">
-            <a:off x="5693856" y="813746"/>
+            <a:off x="2885544" y="309690"/>
             <a:ext cx="286983" cy="332916"/>
           </a:xfrm>
           <a:prstGeom prst="bentConnector3">
@@ -9944,10 +9983,709 @@
           </a:fontRef>
         </p:style>
       </p:cxnSp>
+      <p:grpSp>
+        <p:nvGrpSpPr>
+          <p:cNvPr id="13" name="Group 12">
+            <a:extLst>
+              <a:ext uri="{FF2B5EF4-FFF2-40B4-BE49-F238E27FC236}">
+                <a16:creationId xmlns:a16="http://schemas.microsoft.com/office/drawing/2014/main" id="{F7EDCA1A-1B87-EFCE-D417-48375D4722D4}"/>
+              </a:ext>
+            </a:extLst>
+          </p:cNvPr>
+          <p:cNvGrpSpPr>
+            <a:grpSpLocks noChangeAspect="1"/>
+          </p:cNvGrpSpPr>
+          <p:nvPr/>
+        </p:nvGrpSpPr>
+        <p:grpSpPr>
+          <a:xfrm>
+            <a:off x="5894935" y="2557947"/>
+            <a:ext cx="1026042" cy="1024127"/>
+            <a:chOff x="6975940" y="2943131"/>
+            <a:chExt cx="526906" cy="525923"/>
+          </a:xfrm>
+        </p:grpSpPr>
+        <p:sp>
+          <p:nvSpPr>
+            <p:cNvPr id="58" name="Oval 57">
+              <a:extLst>
+                <a:ext uri="{FF2B5EF4-FFF2-40B4-BE49-F238E27FC236}">
+                  <a16:creationId xmlns:a16="http://schemas.microsoft.com/office/drawing/2014/main" id="{9F6F7A6C-DE53-ACBF-8D61-2B1852496C2F}"/>
+                </a:ext>
+              </a:extLst>
+            </p:cNvPr>
+            <p:cNvSpPr/>
+            <p:nvPr/>
+          </p:nvSpPr>
+          <p:spPr>
+            <a:xfrm>
+              <a:off x="6975940" y="2943131"/>
+              <a:ext cx="525923" cy="525923"/>
+            </a:xfrm>
+            <a:prstGeom prst="ellipse">
+              <a:avLst/>
+            </a:prstGeom>
+            <a:solidFill>
+              <a:schemeClr val="accent2">
+                <a:lumMod val="60000"/>
+                <a:lumOff val="40000"/>
+              </a:schemeClr>
+            </a:solidFill>
+            <a:ln w="28575">
+              <a:noFill/>
+              <a:prstDash val="sysDot"/>
+            </a:ln>
+          </p:spPr>
+          <p:style>
+            <a:lnRef idx="2">
+              <a:schemeClr val="accent1">
+                <a:shade val="50000"/>
+              </a:schemeClr>
+            </a:lnRef>
+            <a:fillRef idx="1">
+              <a:schemeClr val="accent1"/>
+            </a:fillRef>
+            <a:effectRef idx="0">
+              <a:schemeClr val="accent1"/>
+            </a:effectRef>
+            <a:fontRef idx="minor">
+              <a:schemeClr val="lt1"/>
+            </a:fontRef>
+          </p:style>
+          <p:txBody>
+            <a:bodyPr rtlCol="0" anchor="ctr"/>
+            <a:lstStyle/>
+            <a:p>
+              <a:pPr algn="ctr"/>
+              <a:endParaRPr lang="en-US" dirty="0"/>
+            </a:p>
+          </p:txBody>
+        </p:sp>
+        <p:sp>
+          <p:nvSpPr>
+            <p:cNvPr id="61" name="TextBox 60">
+              <a:extLst>
+                <a:ext uri="{FF2B5EF4-FFF2-40B4-BE49-F238E27FC236}">
+                  <a16:creationId xmlns:a16="http://schemas.microsoft.com/office/drawing/2014/main" id="{6D3F6A3E-B26C-46FE-3134-EF473DC18BEF}"/>
+                </a:ext>
+              </a:extLst>
+            </p:cNvPr>
+            <p:cNvSpPr txBox="1"/>
+            <p:nvPr/>
+          </p:nvSpPr>
+          <p:spPr>
+            <a:xfrm>
+              <a:off x="6981572" y="3081203"/>
+              <a:ext cx="521274" cy="268691"/>
+            </a:xfrm>
+            <a:prstGeom prst="rect">
+              <a:avLst/>
+            </a:prstGeom>
+            <a:noFill/>
+            <a:ln>
+              <a:noFill/>
+            </a:ln>
+          </p:spPr>
+          <p:txBody>
+            <a:bodyPr wrap="square" rtlCol="0">
+              <a:spAutoFit/>
+            </a:bodyPr>
+            <a:lstStyle/>
+            <a:p>
+              <a:pPr algn="ctr"/>
+              <a:r>
+                <a:rPr lang="en-US" sz="1400" b="1" dirty="0">
+                  <a:solidFill>
+                    <a:schemeClr val="bg1"/>
+                  </a:solidFill>
+                </a:rPr>
+                <a:t>Control</a:t>
+              </a:r>
+              <a:br>
+                <a:rPr lang="en-US" sz="1400" b="1" dirty="0">
+                  <a:solidFill>
+                    <a:schemeClr val="bg1"/>
+                  </a:solidFill>
+                </a:rPr>
+              </a:br>
+              <a:r>
+                <a:rPr lang="en-US" sz="1400" b="1" dirty="0">
+                  <a:solidFill>
+                    <a:schemeClr val="bg1"/>
+                  </a:solidFill>
+                </a:rPr>
+                <a:t>Agent</a:t>
+              </a:r>
+            </a:p>
+          </p:txBody>
+        </p:sp>
+      </p:grpSp>
+      <p:cxnSp>
+        <p:nvCxnSpPr>
+          <p:cNvPr id="62" name="Straight Arrow Connector 61">
+            <a:extLst>
+              <a:ext uri="{FF2B5EF4-FFF2-40B4-BE49-F238E27FC236}">
+                <a16:creationId xmlns:a16="http://schemas.microsoft.com/office/drawing/2014/main" id="{5EF20B79-BE16-4BDE-D612-88C21A60B777}"/>
+              </a:ext>
+            </a:extLst>
+          </p:cNvPr>
+          <p:cNvCxnSpPr>
+            <a:cxnSpLocks/>
+            <a:endCxn id="65" idx="0"/>
+          </p:cNvCxnSpPr>
+          <p:nvPr/>
+        </p:nvCxnSpPr>
+        <p:spPr>
+          <a:xfrm flipH="1" flipV="1">
+            <a:off x="4797570" y="3051362"/>
+            <a:ext cx="1097280" cy="18648"/>
+          </a:xfrm>
+          <a:prstGeom prst="straightConnector1">
+            <a:avLst/>
+          </a:prstGeom>
+          <a:ln w="28575">
+            <a:tailEnd type="triangle"/>
+          </a:ln>
+        </p:spPr>
+        <p:style>
+          <a:lnRef idx="1">
+            <a:schemeClr val="dk1"/>
+          </a:lnRef>
+          <a:fillRef idx="0">
+            <a:schemeClr val="dk1"/>
+          </a:fillRef>
+          <a:effectRef idx="0">
+            <a:schemeClr val="dk1"/>
+          </a:effectRef>
+          <a:fontRef idx="minor">
+            <a:schemeClr val="tx1"/>
+          </a:fontRef>
+        </p:style>
+      </p:cxnSp>
+      <p:sp>
+        <p:nvSpPr>
+          <p:cNvPr id="63" name="TextBox 62">
+            <a:extLst>
+              <a:ext uri="{FF2B5EF4-FFF2-40B4-BE49-F238E27FC236}">
+                <a16:creationId xmlns:a16="http://schemas.microsoft.com/office/drawing/2014/main" id="{D61FC50A-1394-A080-FF43-0B21C7559932}"/>
+              </a:ext>
+            </a:extLst>
+          </p:cNvPr>
+          <p:cNvSpPr txBox="1"/>
+          <p:nvPr/>
+        </p:nvSpPr>
+        <p:spPr>
+          <a:xfrm>
+            <a:off x="4949968" y="2607295"/>
+            <a:ext cx="1008837" cy="492443"/>
+          </a:xfrm>
+          <a:prstGeom prst="rect">
+            <a:avLst/>
+          </a:prstGeom>
+          <a:noFill/>
+        </p:spPr>
+        <p:txBody>
+          <a:bodyPr wrap="square" rtlCol="0">
+            <a:spAutoFit/>
+          </a:bodyPr>
+          <a:lstStyle/>
+          <a:p>
+            <a:pPr algn="ctr"/>
+            <a:r>
+              <a:rPr lang="en-US" sz="1300" b="1" dirty="0"/>
+              <a:t>Charge/</a:t>
+            </a:r>
+          </a:p>
+          <a:p>
+            <a:pPr algn="ctr"/>
+            <a:r>
+              <a:rPr lang="en-US" sz="1300" b="1" dirty="0"/>
+              <a:t>Discharge</a:t>
+            </a:r>
+          </a:p>
+        </p:txBody>
+      </p:sp>
+      <p:sp>
+        <p:nvSpPr>
+          <p:cNvPr id="64" name="TextBox 63">
+            <a:extLst>
+              <a:ext uri="{FF2B5EF4-FFF2-40B4-BE49-F238E27FC236}">
+                <a16:creationId xmlns:a16="http://schemas.microsoft.com/office/drawing/2014/main" id="{4D4A7AED-B25F-C20E-1DED-34C71837FB23}"/>
+              </a:ext>
+            </a:extLst>
+          </p:cNvPr>
+          <p:cNvSpPr txBox="1"/>
+          <p:nvPr/>
+        </p:nvSpPr>
+        <p:spPr>
+          <a:xfrm>
+            <a:off x="4943872" y="1279793"/>
+            <a:ext cx="1008837" cy="292388"/>
+          </a:xfrm>
+          <a:prstGeom prst="rect">
+            <a:avLst/>
+          </a:prstGeom>
+          <a:noFill/>
+        </p:spPr>
+        <p:txBody>
+          <a:bodyPr wrap="square" rtlCol="0">
+            <a:spAutoFit/>
+          </a:bodyPr>
+          <a:lstStyle/>
+          <a:p>
+            <a:pPr algn="ctr"/>
+            <a:r>
+              <a:rPr lang="en-US" sz="1300" b="1" dirty="0"/>
+              <a:t>Power</a:t>
+            </a:r>
+          </a:p>
+        </p:txBody>
+      </p:sp>
+      <p:cxnSp>
+        <p:nvCxnSpPr>
+          <p:cNvPr id="66" name="Straight Arrow Connector 23">
+            <a:extLst>
+              <a:ext uri="{FF2B5EF4-FFF2-40B4-BE49-F238E27FC236}">
+                <a16:creationId xmlns:a16="http://schemas.microsoft.com/office/drawing/2014/main" id="{53CD7361-8369-D18B-E8DF-C3807368AF75}"/>
+              </a:ext>
+            </a:extLst>
+          </p:cNvPr>
+          <p:cNvCxnSpPr>
+            <a:cxnSpLocks/>
+            <a:stCxn id="58" idx="0"/>
+            <a:endCxn id="46" idx="3"/>
+          </p:cNvCxnSpPr>
+          <p:nvPr/>
+        </p:nvCxnSpPr>
+        <p:spPr>
+          <a:xfrm rot="16200000" flipV="1">
+            <a:off x="5093046" y="1243993"/>
+            <a:ext cx="1018480" cy="1609427"/>
+          </a:xfrm>
+          <a:prstGeom prst="bentConnector2">
+            <a:avLst/>
+          </a:prstGeom>
+          <a:ln w="28575">
+            <a:tailEnd type="triangle"/>
+          </a:ln>
+        </p:spPr>
+        <p:style>
+          <a:lnRef idx="1">
+            <a:schemeClr val="dk1"/>
+          </a:lnRef>
+          <a:fillRef idx="0">
+            <a:schemeClr val="dk1"/>
+          </a:fillRef>
+          <a:effectRef idx="0">
+            <a:schemeClr val="dk1"/>
+          </a:effectRef>
+          <a:fontRef idx="minor">
+            <a:schemeClr val="tx1"/>
+          </a:fontRef>
+        </p:style>
+      </p:cxnSp>
+      <p:cxnSp>
+        <p:nvCxnSpPr>
+          <p:cNvPr id="67" name="Straight Arrow Connector 23">
+            <a:extLst>
+              <a:ext uri="{FF2B5EF4-FFF2-40B4-BE49-F238E27FC236}">
+                <a16:creationId xmlns:a16="http://schemas.microsoft.com/office/drawing/2014/main" id="{1753957F-588A-CD1C-A8B1-C9FDEE46ECA2}"/>
+              </a:ext>
+            </a:extLst>
+          </p:cNvPr>
+          <p:cNvCxnSpPr>
+            <a:cxnSpLocks/>
+            <a:stCxn id="61" idx="3"/>
+            <a:endCxn id="33" idx="0"/>
+          </p:cNvCxnSpPr>
+          <p:nvPr/>
+        </p:nvCxnSpPr>
+        <p:spPr>
+          <a:xfrm flipH="1">
+            <a:off x="3195494" y="3088425"/>
+            <a:ext cx="3725483" cy="2399913"/>
+          </a:xfrm>
+          <a:prstGeom prst="bentConnector4">
+            <a:avLst>
+              <a:gd name="adj1" fmla="val -6136"/>
+              <a:gd name="adj2" fmla="val 109525"/>
+            </a:avLst>
+          </a:prstGeom>
+          <a:ln w="28575">
+            <a:headEnd type="triangle" w="med" len="med"/>
+            <a:tailEnd type="none" w="med" len="med"/>
+          </a:ln>
+        </p:spPr>
+        <p:style>
+          <a:lnRef idx="1">
+            <a:schemeClr val="dk1"/>
+          </a:lnRef>
+          <a:fillRef idx="0">
+            <a:schemeClr val="dk1"/>
+          </a:fillRef>
+          <a:effectRef idx="0">
+            <a:schemeClr val="dk1"/>
+          </a:effectRef>
+          <a:fontRef idx="minor">
+            <a:schemeClr val="tx1"/>
+          </a:fontRef>
+        </p:style>
+      </p:cxnSp>
+      <p:sp>
+        <p:nvSpPr>
+          <p:cNvPr id="68" name="TextBox 67">
+            <a:extLst>
+              <a:ext uri="{FF2B5EF4-FFF2-40B4-BE49-F238E27FC236}">
+                <a16:creationId xmlns:a16="http://schemas.microsoft.com/office/drawing/2014/main" id="{7414F864-8FE1-A785-FB5B-A5D3714BEE0F}"/>
+              </a:ext>
+            </a:extLst>
+          </p:cNvPr>
+          <p:cNvSpPr txBox="1"/>
+          <p:nvPr/>
+        </p:nvSpPr>
+        <p:spPr>
+          <a:xfrm>
+            <a:off x="4655840" y="5445224"/>
+            <a:ext cx="1567954" cy="292388"/>
+          </a:xfrm>
+          <a:prstGeom prst="rect">
+            <a:avLst/>
+          </a:prstGeom>
+          <a:noFill/>
+        </p:spPr>
+        <p:txBody>
+          <a:bodyPr wrap="square" rtlCol="0">
+            <a:spAutoFit/>
+          </a:bodyPr>
+          <a:lstStyle/>
+          <a:p>
+            <a:pPr algn="ctr"/>
+            <a:r>
+              <a:rPr lang="en-US" sz="1300" b="1" dirty="0"/>
+              <a:t>Observations</a:t>
+            </a:r>
+          </a:p>
+        </p:txBody>
+      </p:sp>
+      <p:grpSp>
+        <p:nvGrpSpPr>
+          <p:cNvPr id="74" name="Group 73">
+            <a:extLst>
+              <a:ext uri="{FF2B5EF4-FFF2-40B4-BE49-F238E27FC236}">
+                <a16:creationId xmlns:a16="http://schemas.microsoft.com/office/drawing/2014/main" id="{14B58393-6879-B508-EC7F-3FD8948DCB21}"/>
+              </a:ext>
+            </a:extLst>
+          </p:cNvPr>
+          <p:cNvGrpSpPr>
+            <a:grpSpLocks noChangeAspect="1"/>
+          </p:cNvGrpSpPr>
+          <p:nvPr/>
+        </p:nvGrpSpPr>
+        <p:grpSpPr>
+          <a:xfrm>
+            <a:off x="5889452" y="4060409"/>
+            <a:ext cx="1026042" cy="1024127"/>
+            <a:chOff x="6975940" y="2943131"/>
+            <a:chExt cx="526906" cy="525923"/>
+          </a:xfrm>
+        </p:grpSpPr>
+        <p:sp>
+          <p:nvSpPr>
+            <p:cNvPr id="75" name="Oval 74">
+              <a:extLst>
+                <a:ext uri="{FF2B5EF4-FFF2-40B4-BE49-F238E27FC236}">
+                  <a16:creationId xmlns:a16="http://schemas.microsoft.com/office/drawing/2014/main" id="{31158F6E-B16C-66FE-77A2-D250C792D4FC}"/>
+                </a:ext>
+              </a:extLst>
+            </p:cNvPr>
+            <p:cNvSpPr/>
+            <p:nvPr/>
+          </p:nvSpPr>
+          <p:spPr>
+            <a:xfrm>
+              <a:off x="6975940" y="2943131"/>
+              <a:ext cx="525923" cy="525923"/>
+            </a:xfrm>
+            <a:prstGeom prst="ellipse">
+              <a:avLst/>
+            </a:prstGeom>
+            <a:solidFill>
+              <a:srgbClr val="1400FF"/>
+            </a:solidFill>
+            <a:ln w="28575">
+              <a:noFill/>
+              <a:prstDash val="sysDot"/>
+            </a:ln>
+          </p:spPr>
+          <p:style>
+            <a:lnRef idx="2">
+              <a:schemeClr val="accent1">
+                <a:shade val="50000"/>
+              </a:schemeClr>
+            </a:lnRef>
+            <a:fillRef idx="1">
+              <a:schemeClr val="accent1"/>
+            </a:fillRef>
+            <a:effectRef idx="0">
+              <a:schemeClr val="accent1"/>
+            </a:effectRef>
+            <a:fontRef idx="minor">
+              <a:schemeClr val="lt1"/>
+            </a:fontRef>
+          </p:style>
+          <p:txBody>
+            <a:bodyPr rtlCol="0" anchor="ctr"/>
+            <a:lstStyle/>
+            <a:p>
+              <a:pPr algn="ctr"/>
+              <a:endParaRPr lang="en-US" dirty="0"/>
+            </a:p>
+          </p:txBody>
+        </p:sp>
+        <p:sp>
+          <p:nvSpPr>
+            <p:cNvPr id="76" name="TextBox 75">
+              <a:extLst>
+                <a:ext uri="{FF2B5EF4-FFF2-40B4-BE49-F238E27FC236}">
+                  <a16:creationId xmlns:a16="http://schemas.microsoft.com/office/drawing/2014/main" id="{D9ECCA72-939D-7011-4233-6F8D6DFFF356}"/>
+                </a:ext>
+              </a:extLst>
+            </p:cNvPr>
+            <p:cNvSpPr txBox="1"/>
+            <p:nvPr/>
+          </p:nvSpPr>
+          <p:spPr>
+            <a:xfrm>
+              <a:off x="6981572" y="3062291"/>
+              <a:ext cx="521274" cy="268691"/>
+            </a:xfrm>
+            <a:prstGeom prst="rect">
+              <a:avLst/>
+            </a:prstGeom>
+            <a:noFill/>
+            <a:ln>
+              <a:noFill/>
+            </a:ln>
+          </p:spPr>
+          <p:txBody>
+            <a:bodyPr wrap="square" rtlCol="0">
+              <a:spAutoFit/>
+            </a:bodyPr>
+            <a:lstStyle/>
+            <a:p>
+              <a:pPr algn="ctr"/>
+              <a:r>
+                <a:rPr lang="en-US" sz="1400" b="1" dirty="0">
+                  <a:solidFill>
+                    <a:schemeClr val="bg1"/>
+                  </a:solidFill>
+                </a:rPr>
+                <a:t>Dynamics</a:t>
+              </a:r>
+              <a:br>
+                <a:rPr lang="en-US" sz="1400" b="1" dirty="0">
+                  <a:solidFill>
+                    <a:schemeClr val="bg1"/>
+                  </a:solidFill>
+                </a:rPr>
+              </a:br>
+              <a:r>
+                <a:rPr lang="en-US" sz="1400" b="1" dirty="0">
+                  <a:solidFill>
+                    <a:schemeClr val="bg1"/>
+                  </a:solidFill>
+                </a:rPr>
+                <a:t>Model</a:t>
+              </a:r>
+            </a:p>
+          </p:txBody>
+        </p:sp>
+      </p:grpSp>
+      <p:cxnSp>
+        <p:nvCxnSpPr>
+          <p:cNvPr id="77" name="Straight Arrow Connector 76">
+            <a:extLst>
+              <a:ext uri="{FF2B5EF4-FFF2-40B4-BE49-F238E27FC236}">
+                <a16:creationId xmlns:a16="http://schemas.microsoft.com/office/drawing/2014/main" id="{0279AFF7-A4D8-CD21-A1D8-9555BE79706A}"/>
+              </a:ext>
+            </a:extLst>
+          </p:cNvPr>
+          <p:cNvCxnSpPr>
+            <a:cxnSpLocks/>
+            <a:endCxn id="76" idx="3"/>
+          </p:cNvCxnSpPr>
+          <p:nvPr/>
+        </p:nvCxnSpPr>
+        <p:spPr>
+          <a:xfrm flipH="1">
+            <a:off x="6915494" y="4554058"/>
+            <a:ext cx="236605" cy="2"/>
+          </a:xfrm>
+          <a:prstGeom prst="straightConnector1">
+            <a:avLst/>
+          </a:prstGeom>
+          <a:ln w="28575">
+            <a:tailEnd type="triangle"/>
+          </a:ln>
+        </p:spPr>
+        <p:style>
+          <a:lnRef idx="1">
+            <a:schemeClr val="dk1"/>
+          </a:lnRef>
+          <a:fillRef idx="0">
+            <a:schemeClr val="dk1"/>
+          </a:fillRef>
+          <a:effectRef idx="0">
+            <a:schemeClr val="dk1"/>
+          </a:effectRef>
+          <a:fontRef idx="minor">
+            <a:schemeClr val="tx1"/>
+          </a:fontRef>
+        </p:style>
+      </p:cxnSp>
+      <p:cxnSp>
+        <p:nvCxnSpPr>
+          <p:cNvPr id="80" name="Straight Arrow Connector 79">
+            <a:extLst>
+              <a:ext uri="{FF2B5EF4-FFF2-40B4-BE49-F238E27FC236}">
+                <a16:creationId xmlns:a16="http://schemas.microsoft.com/office/drawing/2014/main" id="{2B5E6FE6-8798-0714-3AD0-5960D9B406A3}"/>
+              </a:ext>
+            </a:extLst>
+          </p:cNvPr>
+          <p:cNvCxnSpPr>
+            <a:cxnSpLocks/>
+            <a:stCxn id="75" idx="2"/>
+            <a:endCxn id="18" idx="3"/>
+          </p:cNvCxnSpPr>
+          <p:nvPr/>
+        </p:nvCxnSpPr>
+        <p:spPr>
+          <a:xfrm flipH="1" flipV="1">
+            <a:off x="4586206" y="4560070"/>
+            <a:ext cx="1303246" cy="12403"/>
+          </a:xfrm>
+          <a:prstGeom prst="straightConnector1">
+            <a:avLst/>
+          </a:prstGeom>
+          <a:ln w="28575">
+            <a:tailEnd type="triangle"/>
+          </a:ln>
+        </p:spPr>
+        <p:style>
+          <a:lnRef idx="1">
+            <a:schemeClr val="dk1"/>
+          </a:lnRef>
+          <a:fillRef idx="0">
+            <a:schemeClr val="dk1"/>
+          </a:fillRef>
+          <a:effectRef idx="0">
+            <a:schemeClr val="dk1"/>
+          </a:effectRef>
+          <a:fontRef idx="minor">
+            <a:schemeClr val="tx1"/>
+          </a:fontRef>
+        </p:style>
+      </p:cxnSp>
+      <p:sp>
+        <p:nvSpPr>
+          <p:cNvPr id="87" name="TextBox 86">
+            <a:extLst>
+              <a:ext uri="{FF2B5EF4-FFF2-40B4-BE49-F238E27FC236}">
+                <a16:creationId xmlns:a16="http://schemas.microsoft.com/office/drawing/2014/main" id="{C58EC05E-B6A6-6026-3DB8-BE9A364E460B}"/>
+              </a:ext>
+            </a:extLst>
+          </p:cNvPr>
+          <p:cNvSpPr txBox="1"/>
+          <p:nvPr/>
+        </p:nvSpPr>
+        <p:spPr>
+          <a:xfrm>
+            <a:off x="4655840" y="4293096"/>
+            <a:ext cx="1567954" cy="292388"/>
+          </a:xfrm>
+          <a:prstGeom prst="rect">
+            <a:avLst/>
+          </a:prstGeom>
+          <a:noFill/>
+        </p:spPr>
+        <p:txBody>
+          <a:bodyPr wrap="square" rtlCol="0">
+            <a:spAutoFit/>
+          </a:bodyPr>
+          <a:lstStyle/>
+          <a:p>
+            <a:pPr algn="ctr"/>
+            <a:r>
+              <a:rPr lang="en-US" sz="1300" b="1" dirty="0"/>
+              <a:t>Temperature</a:t>
+            </a:r>
+          </a:p>
+        </p:txBody>
+      </p:sp>
     </p:spTree>
     <p:extLst>
       <p:ext uri="{BB962C8B-B14F-4D97-AF65-F5344CB8AC3E}">
         <p14:creationId xmlns:p14="http://schemas.microsoft.com/office/powerpoint/2010/main" val="657846067"/>
+      </p:ext>
+    </p:extLst>
+  </p:cSld>
+  <p:clrMapOvr>
+    <a:masterClrMapping/>
+  </p:clrMapOvr>
+</p:sld>
+</file>
+
+<file path=ppt/slides/slide5.xml><?xml version="1.0" encoding="utf-8"?>
+<p:sld xmlns:a="http://schemas.openxmlformats.org/drawingml/2006/main" xmlns:r="http://schemas.openxmlformats.org/officeDocument/2006/relationships" xmlns:p="http://schemas.openxmlformats.org/presentationml/2006/main">
+  <p:cSld>
+    <p:spTree>
+      <p:nvGrpSpPr>
+        <p:cNvPr id="1" name=""/>
+        <p:cNvGrpSpPr/>
+        <p:nvPr/>
+      </p:nvGrpSpPr>
+      <p:grpSpPr>
+        <a:xfrm>
+          <a:off x="0" y="0"/>
+          <a:ext cx="0" cy="0"/>
+          <a:chOff x="0" y="0"/>
+          <a:chExt cx="0" cy="0"/>
+        </a:xfrm>
+      </p:grpSpPr>
+      <p:pic>
+        <p:nvPicPr>
+          <p:cNvPr id="6" name="Picture 5">
+            <a:extLst>
+              <a:ext uri="{FF2B5EF4-FFF2-40B4-BE49-F238E27FC236}">
+                <a16:creationId xmlns:a16="http://schemas.microsoft.com/office/drawing/2014/main" id="{31A77D80-D816-3180-B858-99D81C6A6E59}"/>
+              </a:ext>
+            </a:extLst>
+          </p:cNvPr>
+          <p:cNvPicPr>
+            <a:picLocks noChangeAspect="1"/>
+          </p:cNvPicPr>
+          <p:nvPr/>
+        </p:nvPicPr>
+        <p:blipFill>
+          <a:blip r:embed="rId2"/>
+          <a:stretch>
+            <a:fillRect/>
+          </a:stretch>
+        </p:blipFill>
+        <p:spPr>
+          <a:xfrm>
+            <a:off x="2635250" y="577850"/>
+            <a:ext cx="6921500" cy="5702300"/>
+          </a:xfrm>
+          <a:prstGeom prst="rect">
+            <a:avLst/>
+          </a:prstGeom>
+        </p:spPr>
+      </p:pic>
+    </p:spTree>
+    <p:extLst>
+      <p:ext uri="{BB962C8B-B14F-4D97-AF65-F5344CB8AC3E}">
+        <p14:creationId xmlns:p14="http://schemas.microsoft.com/office/powerpoint/2010/main" val="2646160171"/>
       </p:ext>
     </p:extLst>
   </p:cSld>
